--- a/assets/publications/2022-streaming-ssl/thumbnail.pptx
+++ b/assets/publications/2022-streaming-ssl/thumbnail.pptx
@@ -3219,7 +3219,7 @@
         <p:spPr>
           <a:xfrm>
             <a:off x="705395" y="1341821"/>
-            <a:ext cx="2246810" cy="307777"/>
+            <a:ext cx="2246810" cy="338554"/>
           </a:xfrm>
           <a:prstGeom prst="rect">
             <a:avLst/>
@@ -3234,7 +3234,7 @@
           <a:p>
             <a:pPr algn="ctr"/>
             <a:r>
-              <a:rPr lang="en-US" sz="1400" i="1" dirty="0">
+              <a:rPr lang="en-US" sz="1600" i="1" dirty="0">
                 <a:latin typeface="Source Sans Pro" panose="020B0503030403020204" pitchFamily="34" charset="0"/>
                 <a:ea typeface="Source Sans Pro" panose="020B0503030403020204" pitchFamily="34" charset="0"/>
                 <a:cs typeface="Helvetica Neue" panose="02000503000000020004" pitchFamily="2" charset="0"/>
@@ -3282,107 +3282,86 @@
           <a:chExt cx="0" cy="0"/>
         </a:xfrm>
       </p:grpSpPr>
-      <p:grpSp>
-        <p:nvGrpSpPr>
-          <p:cNvPr id="9" name="Group 8">
+      <p:sp>
+        <p:nvSpPr>
+          <p:cNvPr id="5" name="TextBox 4">
             <a:extLst>
               <a:ext uri="{FF2B5EF4-FFF2-40B4-BE49-F238E27FC236}">
-                <a16:creationId xmlns:a16="http://schemas.microsoft.com/office/drawing/2014/main" id="{B385C25C-12F8-EC49-8552-98167BAE31FD}"/>
+                <a16:creationId xmlns:a16="http://schemas.microsoft.com/office/drawing/2014/main" id="{6FACB1D5-2E66-8243-892F-69216FB0E8F3}"/>
               </a:ext>
             </a:extLst>
           </p:cNvPr>
-          <p:cNvGrpSpPr/>
+          <p:cNvSpPr txBox="1"/>
           <p:nvPr/>
-        </p:nvGrpSpPr>
-        <p:grpSpPr>
+        </p:nvSpPr>
+        <p:spPr>
           <a:xfrm>
-            <a:off x="705395" y="-3359"/>
-            <a:ext cx="2246810" cy="1652957"/>
-            <a:chOff x="602045" y="0"/>
-            <a:chExt cx="2246810" cy="1652957"/>
+            <a:off x="1028742" y="-3359"/>
+            <a:ext cx="1600117" cy="338554"/>
           </a:xfrm>
-        </p:grpSpPr>
-        <p:sp>
-          <p:nvSpPr>
-            <p:cNvPr id="5" name="TextBox 4">
-              <a:extLst>
-                <a:ext uri="{FF2B5EF4-FFF2-40B4-BE49-F238E27FC236}">
-                  <a16:creationId xmlns:a16="http://schemas.microsoft.com/office/drawing/2014/main" id="{6FACB1D5-2E66-8243-892F-69216FB0E8F3}"/>
-                </a:ext>
-              </a:extLst>
-            </p:cNvPr>
-            <p:cNvSpPr txBox="1"/>
-            <p:nvPr/>
-          </p:nvSpPr>
-          <p:spPr>
-            <a:xfrm>
-              <a:off x="925392" y="0"/>
-              <a:ext cx="1600117" cy="338554"/>
-            </a:xfrm>
-            <a:prstGeom prst="rect">
-              <a:avLst/>
-            </a:prstGeom>
-            <a:noFill/>
-          </p:spPr>
-          <p:txBody>
-            <a:bodyPr wrap="none" rtlCol="0" anchor="ctr">
-              <a:spAutoFit/>
-            </a:bodyPr>
-            <a:lstStyle/>
-            <a:p>
-              <a:pPr algn="ctr"/>
-              <a:r>
-                <a:rPr lang="en-US" sz="1600" b="1" dirty="0">
-                  <a:latin typeface="Source Sans Pro" panose="020B0503030403020204" pitchFamily="34" charset="0"/>
-                  <a:ea typeface="Source Sans Pro" panose="020B0503030403020204" pitchFamily="34" charset="0"/>
-                  <a:cs typeface="Helvetica Neue" panose="02000503000000020004" pitchFamily="2" charset="0"/>
-                </a:rPr>
-                <a:t>Continuous SSL</a:t>
-              </a:r>
-            </a:p>
-          </p:txBody>
-        </p:sp>
-        <p:sp>
-          <p:nvSpPr>
-            <p:cNvPr id="8" name="TextBox 7">
-              <a:extLst>
-                <a:ext uri="{FF2B5EF4-FFF2-40B4-BE49-F238E27FC236}">
-                  <a16:creationId xmlns:a16="http://schemas.microsoft.com/office/drawing/2014/main" id="{B3FC38D6-38C8-AC43-9724-BD643C92D603}"/>
-                </a:ext>
-              </a:extLst>
-            </p:cNvPr>
-            <p:cNvSpPr txBox="1"/>
-            <p:nvPr/>
-          </p:nvSpPr>
-          <p:spPr>
-            <a:xfrm>
-              <a:off x="602045" y="1345180"/>
-              <a:ext cx="2246810" cy="307777"/>
-            </a:xfrm>
-            <a:prstGeom prst="rect">
-              <a:avLst/>
-            </a:prstGeom>
-            <a:noFill/>
-          </p:spPr>
-          <p:txBody>
-            <a:bodyPr wrap="square">
-              <a:spAutoFit/>
-            </a:bodyPr>
-            <a:lstStyle/>
-            <a:p>
-              <a:pPr algn="ctr"/>
-              <a:r>
-                <a:rPr lang="en-US" sz="1400" i="1" dirty="0">
-                  <a:latin typeface="Source Sans Pro" panose="020B0503030403020204" pitchFamily="34" charset="0"/>
-                  <a:ea typeface="Source Sans Pro" panose="020B0503030403020204" pitchFamily="34" charset="0"/>
-                  <a:cs typeface="Helvetica Neue" panose="02000503000000020004" pitchFamily="2" charset="0"/>
-                </a:rPr>
-                <a:t>2) Correlated non-IID data</a:t>
-              </a:r>
-            </a:p>
-          </p:txBody>
-        </p:sp>
-      </p:grpSp>
+          <a:prstGeom prst="rect">
+            <a:avLst/>
+          </a:prstGeom>
+          <a:noFill/>
+        </p:spPr>
+        <p:txBody>
+          <a:bodyPr wrap="none" rtlCol="0" anchor="ctr">
+            <a:spAutoFit/>
+          </a:bodyPr>
+          <a:lstStyle/>
+          <a:p>
+            <a:pPr algn="ctr"/>
+            <a:r>
+              <a:rPr lang="en-US" sz="1600" b="1" dirty="0">
+                <a:latin typeface="Source Sans Pro" panose="020B0503030403020204" pitchFamily="34" charset="0"/>
+                <a:ea typeface="Source Sans Pro" panose="020B0503030403020204" pitchFamily="34" charset="0"/>
+                <a:cs typeface="Helvetica Neue" panose="02000503000000020004" pitchFamily="2" charset="0"/>
+              </a:rPr>
+              <a:t>Continuous SSL</a:t>
+            </a:r>
+          </a:p>
+        </p:txBody>
+      </p:sp>
+      <p:sp>
+        <p:nvSpPr>
+          <p:cNvPr id="8" name="TextBox 7">
+            <a:extLst>
+              <a:ext uri="{FF2B5EF4-FFF2-40B4-BE49-F238E27FC236}">
+                <a16:creationId xmlns:a16="http://schemas.microsoft.com/office/drawing/2014/main" id="{B3FC38D6-38C8-AC43-9724-BD643C92D603}"/>
+              </a:ext>
+            </a:extLst>
+          </p:cNvPr>
+          <p:cNvSpPr txBox="1"/>
+          <p:nvPr/>
+        </p:nvSpPr>
+        <p:spPr>
+          <a:xfrm>
+            <a:off x="627018" y="1341821"/>
+            <a:ext cx="2403565" cy="338554"/>
+          </a:xfrm>
+          <a:prstGeom prst="rect">
+            <a:avLst/>
+          </a:prstGeom>
+          <a:noFill/>
+        </p:spPr>
+        <p:txBody>
+          <a:bodyPr wrap="square">
+            <a:spAutoFit/>
+          </a:bodyPr>
+          <a:lstStyle/>
+          <a:p>
+            <a:pPr algn="ctr"/>
+            <a:r>
+              <a:rPr lang="en-US" sz="1600" i="1" dirty="0">
+                <a:latin typeface="Source Sans Pro" panose="020B0503030403020204" pitchFamily="34" charset="0"/>
+                <a:ea typeface="Source Sans Pro" panose="020B0503030403020204" pitchFamily="34" charset="0"/>
+                <a:cs typeface="Helvetica Neue" panose="02000503000000020004" pitchFamily="2" charset="0"/>
+              </a:rPr>
+              <a:t>2) Correlated non-IID data</a:t>
+            </a:r>
+          </a:p>
+        </p:txBody>
+      </p:sp>
       <p:grpSp>
         <p:nvGrpSpPr>
           <p:cNvPr id="7" name="Group 6">
@@ -3536,107 +3515,86 @@
           <a:chExt cx="0" cy="0"/>
         </a:xfrm>
       </p:grpSpPr>
-      <p:grpSp>
-        <p:nvGrpSpPr>
-          <p:cNvPr id="9" name="Group 8">
+      <p:sp>
+        <p:nvSpPr>
+          <p:cNvPr id="5" name="TextBox 4">
             <a:extLst>
               <a:ext uri="{FF2B5EF4-FFF2-40B4-BE49-F238E27FC236}">
-                <a16:creationId xmlns:a16="http://schemas.microsoft.com/office/drawing/2014/main" id="{B385C25C-12F8-EC49-8552-98167BAE31FD}"/>
+                <a16:creationId xmlns:a16="http://schemas.microsoft.com/office/drawing/2014/main" id="{6FACB1D5-2E66-8243-892F-69216FB0E8F3}"/>
               </a:ext>
             </a:extLst>
           </p:cNvPr>
-          <p:cNvGrpSpPr/>
+          <p:cNvSpPr txBox="1"/>
           <p:nvPr/>
-        </p:nvGrpSpPr>
-        <p:grpSpPr>
+        </p:nvSpPr>
+        <p:spPr>
           <a:xfrm>
-            <a:off x="705395" y="-3359"/>
-            <a:ext cx="2246810" cy="1652957"/>
-            <a:chOff x="602045" y="0"/>
-            <a:chExt cx="2246810" cy="1652957"/>
+            <a:off x="1028742" y="-3359"/>
+            <a:ext cx="1600117" cy="338554"/>
           </a:xfrm>
-        </p:grpSpPr>
-        <p:sp>
-          <p:nvSpPr>
-            <p:cNvPr id="5" name="TextBox 4">
-              <a:extLst>
-                <a:ext uri="{FF2B5EF4-FFF2-40B4-BE49-F238E27FC236}">
-                  <a16:creationId xmlns:a16="http://schemas.microsoft.com/office/drawing/2014/main" id="{6FACB1D5-2E66-8243-892F-69216FB0E8F3}"/>
-                </a:ext>
-              </a:extLst>
-            </p:cNvPr>
-            <p:cNvSpPr txBox="1"/>
-            <p:nvPr/>
-          </p:nvSpPr>
-          <p:spPr>
-            <a:xfrm>
-              <a:off x="925392" y="0"/>
-              <a:ext cx="1600117" cy="338554"/>
-            </a:xfrm>
-            <a:prstGeom prst="rect">
-              <a:avLst/>
-            </a:prstGeom>
-            <a:noFill/>
-          </p:spPr>
-          <p:txBody>
-            <a:bodyPr wrap="none" rtlCol="0" anchor="ctr">
-              <a:spAutoFit/>
-            </a:bodyPr>
-            <a:lstStyle/>
-            <a:p>
-              <a:pPr algn="ctr"/>
-              <a:r>
-                <a:rPr lang="en-US" sz="1600" b="1" dirty="0">
-                  <a:latin typeface="Source Sans Pro" panose="020B0503030403020204" pitchFamily="34" charset="0"/>
-                  <a:ea typeface="Source Sans Pro" panose="020B0503030403020204" pitchFamily="34" charset="0"/>
-                  <a:cs typeface="Helvetica Neue" panose="02000503000000020004" pitchFamily="2" charset="0"/>
-                </a:rPr>
-                <a:t>Continuous SSL</a:t>
-              </a:r>
-            </a:p>
-          </p:txBody>
-        </p:sp>
-        <p:sp>
-          <p:nvSpPr>
-            <p:cNvPr id="8" name="TextBox 7">
-              <a:extLst>
-                <a:ext uri="{FF2B5EF4-FFF2-40B4-BE49-F238E27FC236}">
-                  <a16:creationId xmlns:a16="http://schemas.microsoft.com/office/drawing/2014/main" id="{B3FC38D6-38C8-AC43-9724-BD643C92D603}"/>
-                </a:ext>
-              </a:extLst>
-            </p:cNvPr>
-            <p:cNvSpPr txBox="1"/>
-            <p:nvPr/>
-          </p:nvSpPr>
-          <p:spPr>
-            <a:xfrm>
-              <a:off x="602045" y="1345180"/>
-              <a:ext cx="2246810" cy="307777"/>
-            </a:xfrm>
-            <a:prstGeom prst="rect">
-              <a:avLst/>
-            </a:prstGeom>
-            <a:noFill/>
-          </p:spPr>
-          <p:txBody>
-            <a:bodyPr wrap="square">
-              <a:spAutoFit/>
-            </a:bodyPr>
-            <a:lstStyle/>
-            <a:p>
-              <a:pPr algn="ctr"/>
-              <a:r>
-                <a:rPr lang="en-US" sz="1400" i="1" dirty="0">
-                  <a:latin typeface="Source Sans Pro" panose="020B0503030403020204" pitchFamily="34" charset="0"/>
-                  <a:ea typeface="Source Sans Pro" panose="020B0503030403020204" pitchFamily="34" charset="0"/>
-                  <a:cs typeface="Helvetica Neue" panose="02000503000000020004" pitchFamily="2" charset="0"/>
-                </a:rPr>
-                <a:t>2) Non-stationary semantics</a:t>
-              </a:r>
-            </a:p>
-          </p:txBody>
-        </p:sp>
-      </p:grpSp>
+          <a:prstGeom prst="rect">
+            <a:avLst/>
+          </a:prstGeom>
+          <a:noFill/>
+        </p:spPr>
+        <p:txBody>
+          <a:bodyPr wrap="none" rtlCol="0" anchor="ctr">
+            <a:spAutoFit/>
+          </a:bodyPr>
+          <a:lstStyle/>
+          <a:p>
+            <a:pPr algn="ctr"/>
+            <a:r>
+              <a:rPr lang="en-US" sz="1600" b="1" dirty="0">
+                <a:latin typeface="Source Sans Pro" panose="020B0503030403020204" pitchFamily="34" charset="0"/>
+                <a:ea typeface="Source Sans Pro" panose="020B0503030403020204" pitchFamily="34" charset="0"/>
+                <a:cs typeface="Helvetica Neue" panose="02000503000000020004" pitchFamily="2" charset="0"/>
+              </a:rPr>
+              <a:t>Continuous SSL</a:t>
+            </a:r>
+          </a:p>
+        </p:txBody>
+      </p:sp>
+      <p:sp>
+        <p:nvSpPr>
+          <p:cNvPr id="8" name="TextBox 7">
+            <a:extLst>
+              <a:ext uri="{FF2B5EF4-FFF2-40B4-BE49-F238E27FC236}">
+                <a16:creationId xmlns:a16="http://schemas.microsoft.com/office/drawing/2014/main" id="{B3FC38D6-38C8-AC43-9724-BD643C92D603}"/>
+              </a:ext>
+            </a:extLst>
+          </p:cNvPr>
+          <p:cNvSpPr txBox="1"/>
+          <p:nvPr/>
+        </p:nvSpPr>
+        <p:spPr>
+          <a:xfrm>
+            <a:off x="547225" y="1341821"/>
+            <a:ext cx="2563151" cy="338554"/>
+          </a:xfrm>
+          <a:prstGeom prst="rect">
+            <a:avLst/>
+          </a:prstGeom>
+          <a:noFill/>
+        </p:spPr>
+        <p:txBody>
+          <a:bodyPr wrap="square">
+            <a:spAutoFit/>
+          </a:bodyPr>
+          <a:lstStyle/>
+          <a:p>
+            <a:pPr algn="ctr"/>
+            <a:r>
+              <a:rPr lang="en-US" sz="1600" i="1" dirty="0">
+                <a:latin typeface="Source Sans Pro" panose="020B0503030403020204" pitchFamily="34" charset="0"/>
+                <a:ea typeface="Source Sans Pro" panose="020B0503030403020204" pitchFamily="34" charset="0"/>
+                <a:cs typeface="Helvetica Neue" panose="02000503000000020004" pitchFamily="2" charset="0"/>
+              </a:rPr>
+              <a:t>3) Non-stationary semantics</a:t>
+            </a:r>
+          </a:p>
+        </p:txBody>
+      </p:sp>
       <p:grpSp>
         <p:nvGrpSpPr>
           <p:cNvPr id="13" name="Group 12">
